--- a/in_class_slides/geog4300_W011-1 Univariate regression.pptx
+++ b/in_class_slides/geog4300_W011-1 Univariate regression.pptx
@@ -205,7 +205,7 @@
           <a:p>
             <a:fld id="{F1C23026-85D4-48E8-9219-18000F688023}" type="datetimeFigureOut">
               <a:rPr lang="en-US" smtClean="0"/>
-              <a:t>10/27/2021</a:t>
+              <a:t>11/2/2021</a:t>
             </a:fld>
             <a:endParaRPr lang="en-US"/>
           </a:p>
@@ -2193,7 +2193,7 @@
           <a:p>
             <a:fld id="{93C8B963-0F36-48FC-991E-AA63861DA924}" type="datetimeFigureOut">
               <a:rPr lang="en-US" smtClean="0"/>
-              <a:t>10/27/2021</a:t>
+              <a:t>11/2/2021</a:t>
             </a:fld>
             <a:endParaRPr lang="en-US"/>
           </a:p>
@@ -2491,7 +2491,7 @@
           <a:p>
             <a:fld id="{93C8B963-0F36-48FC-991E-AA63861DA924}" type="datetimeFigureOut">
               <a:rPr lang="en-US" smtClean="0"/>
-              <a:t>10/27/2021</a:t>
+              <a:t>11/2/2021</a:t>
             </a:fld>
             <a:endParaRPr lang="en-US"/>
           </a:p>
@@ -2683,7 +2683,7 @@
           <a:p>
             <a:fld id="{93C8B963-0F36-48FC-991E-AA63861DA924}" type="datetimeFigureOut">
               <a:rPr lang="en-US" smtClean="0"/>
-              <a:t>10/27/2021</a:t>
+              <a:t>11/2/2021</a:t>
             </a:fld>
             <a:endParaRPr lang="en-US"/>
           </a:p>
@@ -2944,7 +2944,7 @@
           <a:p>
             <a:fld id="{93C8B963-0F36-48FC-991E-AA63861DA924}" type="datetimeFigureOut">
               <a:rPr lang="en-US" smtClean="0"/>
-              <a:t>10/27/2021</a:t>
+              <a:t>11/2/2021</a:t>
             </a:fld>
             <a:endParaRPr lang="en-US"/>
           </a:p>
@@ -3368,7 +3368,7 @@
           <a:p>
             <a:fld id="{93C8B963-0F36-48FC-991E-AA63861DA924}" type="datetimeFigureOut">
               <a:rPr lang="en-US" smtClean="0"/>
-              <a:t>10/27/2021</a:t>
+              <a:t>11/2/2021</a:t>
             </a:fld>
             <a:endParaRPr lang="en-US"/>
           </a:p>
@@ -3905,7 +3905,7 @@
           <a:p>
             <a:fld id="{93C8B963-0F36-48FC-991E-AA63861DA924}" type="datetimeFigureOut">
               <a:rPr lang="en-US" smtClean="0"/>
-              <a:t>10/27/2021</a:t>
+              <a:t>11/2/2021</a:t>
             </a:fld>
             <a:endParaRPr lang="en-US"/>
           </a:p>
@@ -4769,7 +4769,7 @@
           <a:p>
             <a:fld id="{93C8B963-0F36-48FC-991E-AA63861DA924}" type="datetimeFigureOut">
               <a:rPr lang="en-US" smtClean="0"/>
-              <a:t>10/27/2021</a:t>
+              <a:t>11/2/2021</a:t>
             </a:fld>
             <a:endParaRPr lang="en-US"/>
           </a:p>
@@ -4939,7 +4939,7 @@
           <a:p>
             <a:fld id="{93C8B963-0F36-48FC-991E-AA63861DA924}" type="datetimeFigureOut">
               <a:rPr lang="en-US" smtClean="0"/>
-              <a:t>10/27/2021</a:t>
+              <a:t>11/2/2021</a:t>
             </a:fld>
             <a:endParaRPr lang="en-US"/>
           </a:p>
@@ -5123,7 +5123,7 @@
           <a:p>
             <a:fld id="{93C8B963-0F36-48FC-991E-AA63861DA924}" type="datetimeFigureOut">
               <a:rPr lang="en-US" smtClean="0"/>
-              <a:t>10/27/2021</a:t>
+              <a:t>11/2/2021</a:t>
             </a:fld>
             <a:endParaRPr lang="en-US"/>
           </a:p>
@@ -5293,7 +5293,7 @@
           <a:p>
             <a:fld id="{93C8B963-0F36-48FC-991E-AA63861DA924}" type="datetimeFigureOut">
               <a:rPr lang="en-US" smtClean="0"/>
-              <a:t>10/27/2021</a:t>
+              <a:t>11/2/2021</a:t>
             </a:fld>
             <a:endParaRPr lang="en-US"/>
           </a:p>
@@ -5537,7 +5537,7 @@
           <a:p>
             <a:fld id="{93C8B963-0F36-48FC-991E-AA63861DA924}" type="datetimeFigureOut">
               <a:rPr lang="en-US" smtClean="0"/>
-              <a:t>10/27/2021</a:t>
+              <a:t>11/2/2021</a:t>
             </a:fld>
             <a:endParaRPr lang="en-US"/>
           </a:p>
@@ -5773,7 +5773,7 @@
           <a:p>
             <a:fld id="{93C8B963-0F36-48FC-991E-AA63861DA924}" type="datetimeFigureOut">
               <a:rPr lang="en-US" smtClean="0"/>
-              <a:t>10/27/2021</a:t>
+              <a:t>11/2/2021</a:t>
             </a:fld>
             <a:endParaRPr lang="en-US"/>
           </a:p>
@@ -6239,7 +6239,7 @@
           <a:p>
             <a:fld id="{93C8B963-0F36-48FC-991E-AA63861DA924}" type="datetimeFigureOut">
               <a:rPr lang="en-US" smtClean="0"/>
-              <a:t>10/27/2021</a:t>
+              <a:t>11/2/2021</a:t>
             </a:fld>
             <a:endParaRPr lang="en-US"/>
           </a:p>
@@ -6357,7 +6357,7 @@
           <a:p>
             <a:fld id="{93C8B963-0F36-48FC-991E-AA63861DA924}" type="datetimeFigureOut">
               <a:rPr lang="en-US" smtClean="0"/>
-              <a:t>10/27/2021</a:t>
+              <a:t>11/2/2021</a:t>
             </a:fld>
             <a:endParaRPr lang="en-US"/>
           </a:p>
@@ -6452,7 +6452,7 @@
           <a:p>
             <a:fld id="{93C8B963-0F36-48FC-991E-AA63861DA924}" type="datetimeFigureOut">
               <a:rPr lang="en-US" smtClean="0"/>
-              <a:t>10/27/2021</a:t>
+              <a:t>11/2/2021</a:t>
             </a:fld>
             <a:endParaRPr lang="en-US"/>
           </a:p>
@@ -6707,7 +6707,7 @@
           <a:p>
             <a:fld id="{93C8B963-0F36-48FC-991E-AA63861DA924}" type="datetimeFigureOut">
               <a:rPr lang="en-US" smtClean="0"/>
-              <a:t>10/27/2021</a:t>
+              <a:t>11/2/2021</a:t>
             </a:fld>
             <a:endParaRPr lang="en-US"/>
           </a:p>
@@ -7007,7 +7007,7 @@
           <a:p>
             <a:fld id="{93C8B963-0F36-48FC-991E-AA63861DA924}" type="datetimeFigureOut">
               <a:rPr lang="en-US" smtClean="0"/>
-              <a:t>10/27/2021</a:t>
+              <a:t>11/2/2021</a:t>
             </a:fld>
             <a:endParaRPr lang="en-US"/>
           </a:p>
@@ -7241,7 +7241,7 @@
           <a:p>
             <a:fld id="{93C8B963-0F36-48FC-991E-AA63861DA924}" type="datetimeFigureOut">
               <a:rPr lang="en-US" smtClean="0"/>
-              <a:t>10/27/2021</a:t>
+              <a:t>11/2/2021</a:t>
             </a:fld>
             <a:endParaRPr lang="en-US"/>
           </a:p>
@@ -8063,7 +8063,7 @@
         <p:spPr>
           <a:xfrm>
             <a:off x="307973" y="200371"/>
-            <a:ext cx="2766911" cy="707886"/>
+            <a:ext cx="3420419" cy="707886"/>
           </a:xfrm>
           <a:prstGeom prst="rect">
             <a:avLst/>
@@ -8087,7 +8087,7 @@
               <a:buNone/>
             </a:pPr>
             <a:r>
-              <a:rPr lang="en-US" sz="4000" b="1" i="1" dirty="0">
+              <a:rPr lang="en-US" sz="4000" b="1" dirty="0">
                 <a:solidFill>
                   <a:srgbClr val="FFC000"/>
                 </a:solidFill>
@@ -8147,7 +8147,7 @@
               <a:t>tells us how strongly x and y are </a:t>
             </a:r>
             <a:r>
-              <a:rPr lang="en-US" sz="3600" b="1" i="1" dirty="0">
+              <a:rPr lang="en-US" sz="3600" b="1" dirty="0">
                 <a:solidFill>
                   <a:srgbClr val="FFC000"/>
                 </a:solidFill>
@@ -8175,7 +8175,7 @@
         <p:spPr>
           <a:xfrm>
             <a:off x="307973" y="1692414"/>
-            <a:ext cx="2563329" cy="707886"/>
+            <a:ext cx="3286002" cy="707886"/>
           </a:xfrm>
           <a:prstGeom prst="rect">
             <a:avLst/>
@@ -8199,7 +8199,7 @@
               <a:buNone/>
             </a:pPr>
             <a:r>
-              <a:rPr lang="en-US" sz="4000" b="1" i="1" dirty="0">
+              <a:rPr lang="en-US" sz="4000" b="1" dirty="0">
                 <a:solidFill>
                   <a:srgbClr val="FFC000"/>
                 </a:solidFill>
@@ -8256,23 +8256,7 @@
                 <a:cs typeface="Gill Sans MT"/>
                 <a:sym typeface="Gill Sans MT"/>
               </a:rPr>
-              <a:t>tells us how a </a:t>
-            </a:r>
-            <a:r>
-              <a:rPr lang="en-US" sz="3600" i="1" dirty="0">
-                <a:ea typeface="Gill Sans MT"/>
-                <a:cs typeface="Gill Sans MT"/>
-                <a:sym typeface="Gill Sans MT"/>
-              </a:rPr>
-              <a:t>change</a:t>
-            </a:r>
-            <a:r>
-              <a:rPr lang="en-US" sz="3600" dirty="0">
-                <a:ea typeface="Gill Sans MT"/>
-                <a:cs typeface="Gill Sans MT"/>
-                <a:sym typeface="Gill Sans MT"/>
-              </a:rPr>
-              <a:t> in x </a:t>
+              <a:t>tells us how a change in x is</a:t>
             </a:r>
             <a:r>
               <a:rPr lang="en-US" sz="3600" b="1" i="1" dirty="0">
@@ -8280,10 +8264,10 @@
                 <a:cs typeface="Gill Sans MT"/>
                 <a:sym typeface="Gill Sans MT"/>
               </a:rPr>
-              <a:t>is </a:t>
-            </a:r>
-            <a:r>
-              <a:rPr lang="en-US" sz="3600" b="1" i="1" dirty="0">
+              <a:t> </a:t>
+            </a:r>
+            <a:r>
+              <a:rPr lang="en-US" sz="3600" b="1" dirty="0">
                 <a:solidFill>
                   <a:srgbClr val="FFC000"/>
                 </a:solidFill>
@@ -8294,36 +8278,12 @@
               <a:t>associated </a:t>
             </a:r>
             <a:r>
-              <a:rPr lang="en-US" sz="3600" b="1" i="1" dirty="0">
-                <a:ea typeface="Gill Sans MT"/>
-                <a:cs typeface="Gill Sans MT"/>
-                <a:sym typeface="Gill Sans MT"/>
-              </a:rPr>
-              <a:t>with</a:t>
-            </a:r>
-            <a:r>
               <a:rPr lang="en-US" sz="3600" dirty="0">
                 <a:ea typeface="Gill Sans MT"/>
                 <a:cs typeface="Gill Sans MT"/>
                 <a:sym typeface="Gill Sans MT"/>
               </a:rPr>
-              <a:t> a </a:t>
-            </a:r>
-            <a:r>
-              <a:rPr lang="en-US" sz="3600" i="1" dirty="0">
-                <a:ea typeface="Gill Sans MT"/>
-                <a:cs typeface="Gill Sans MT"/>
-                <a:sym typeface="Gill Sans MT"/>
-              </a:rPr>
-              <a:t>change</a:t>
-            </a:r>
-            <a:r>
-              <a:rPr lang="en-US" sz="3600" dirty="0">
-                <a:ea typeface="Gill Sans MT"/>
-                <a:cs typeface="Gill Sans MT"/>
-                <a:sym typeface="Gill Sans MT"/>
-              </a:rPr>
-              <a:t> in y</a:t>
+              <a:t>with a change in y</a:t>
             </a:r>
           </a:p>
         </p:txBody>
@@ -8349,7 +8309,7 @@
         </p:blipFill>
         <p:spPr>
           <a:xfrm>
-            <a:off x="1960701" y="3364636"/>
+            <a:off x="1364866" y="3543589"/>
             <a:ext cx="3286002" cy="3129527"/>
           </a:xfrm>
           <a:prstGeom prst="rect">
@@ -8735,8 +8695,8 @@
           </a:p>
         </p:txBody>
       </p:sp>
-      <mc:AlternateContent xmlns:mc="http://schemas.openxmlformats.org/markup-compatibility/2006">
-        <mc:Choice xmlns:a14="http://schemas.microsoft.com/office/drawing/2010/main" Requires="a14">
+      <mc:AlternateContent xmlns:mc="http://schemas.openxmlformats.org/markup-compatibility/2006" xmlns:a14="http://schemas.microsoft.com/office/drawing/2010/main">
+        <mc:Choice Requires="a14">
           <p:sp>
             <p:nvSpPr>
               <p:cNvPr id="2" name="TextBox 1">
@@ -8765,6 +8725,7 @@
               </a:bodyPr>
               <a:lstStyle/>
               <a:p>
+                <a:pPr/>
                 <a14:m>
                   <m:oMathPara xmlns:m="http://schemas.openxmlformats.org/officeDocument/2006/math">
                     <m:oMathParaPr>
@@ -8819,7 +8780,7 @@
             </p:txBody>
           </p:sp>
         </mc:Choice>
-        <mc:Fallback>
+        <mc:Fallback xmlns="">
           <p:sp>
             <p:nvSpPr>
               <p:cNvPr id="2" name="TextBox 1">
@@ -9192,8 +9153,8 @@
           </a:p>
         </p:txBody>
       </p:sp>
-      <mc:AlternateContent xmlns:mc="http://schemas.openxmlformats.org/markup-compatibility/2006">
-        <mc:Choice xmlns:a14="http://schemas.microsoft.com/office/drawing/2010/main" Requires="a14">
+      <mc:AlternateContent xmlns:mc="http://schemas.openxmlformats.org/markup-compatibility/2006" xmlns:a14="http://schemas.microsoft.com/office/drawing/2010/main">
+        <mc:Choice Requires="a14">
           <p:sp>
             <p:nvSpPr>
               <p:cNvPr id="2" name="TextBox 1">
@@ -9222,6 +9183,7 @@
               </a:bodyPr>
               <a:lstStyle/>
               <a:p>
+                <a:pPr/>
                 <a14:m>
                   <m:oMathPara xmlns:m="http://schemas.openxmlformats.org/officeDocument/2006/math">
                     <m:oMathParaPr>
@@ -9276,7 +9238,7 @@
             </p:txBody>
           </p:sp>
         </mc:Choice>
-        <mc:Fallback>
+        <mc:Fallback xmlns="">
           <p:sp>
             <p:nvSpPr>
               <p:cNvPr id="2" name="TextBox 1">
